--- a/docs/diagrams/SDforRegisterCommandLogicAndModel.pptx
+++ b/docs/diagrams/SDforRegisterCommandLogicAndModel.pptx
@@ -261,7 +261,7 @@
           <a:p>
             <a:fld id="{7A26E73D-0704-41E2-A85C-9874C6C723E6}" type="datetimeFigureOut">
               <a:rPr lang="en-IN" smtClean="0"/>
-              <a:t>16-10-2018</a:t>
+              <a:t>24-10-2018</a:t>
             </a:fld>
             <a:endParaRPr lang="en-IN"/>
           </a:p>
@@ -461,7 +461,7 @@
           <a:p>
             <a:fld id="{7A26E73D-0704-41E2-A85C-9874C6C723E6}" type="datetimeFigureOut">
               <a:rPr lang="en-IN" smtClean="0"/>
-              <a:t>16-10-2018</a:t>
+              <a:t>24-10-2018</a:t>
             </a:fld>
             <a:endParaRPr lang="en-IN"/>
           </a:p>
@@ -671,7 +671,7 @@
           <a:p>
             <a:fld id="{7A26E73D-0704-41E2-A85C-9874C6C723E6}" type="datetimeFigureOut">
               <a:rPr lang="en-IN" smtClean="0"/>
-              <a:t>16-10-2018</a:t>
+              <a:t>24-10-2018</a:t>
             </a:fld>
             <a:endParaRPr lang="en-IN"/>
           </a:p>
@@ -871,7 +871,7 @@
           <a:p>
             <a:fld id="{7A26E73D-0704-41E2-A85C-9874C6C723E6}" type="datetimeFigureOut">
               <a:rPr lang="en-IN" smtClean="0"/>
-              <a:t>16-10-2018</a:t>
+              <a:t>24-10-2018</a:t>
             </a:fld>
             <a:endParaRPr lang="en-IN"/>
           </a:p>
@@ -1147,7 +1147,7 @@
           <a:p>
             <a:fld id="{7A26E73D-0704-41E2-A85C-9874C6C723E6}" type="datetimeFigureOut">
               <a:rPr lang="en-IN" smtClean="0"/>
-              <a:t>16-10-2018</a:t>
+              <a:t>24-10-2018</a:t>
             </a:fld>
             <a:endParaRPr lang="en-IN"/>
           </a:p>
@@ -1415,7 +1415,7 @@
           <a:p>
             <a:fld id="{7A26E73D-0704-41E2-A85C-9874C6C723E6}" type="datetimeFigureOut">
               <a:rPr lang="en-IN" smtClean="0"/>
-              <a:t>16-10-2018</a:t>
+              <a:t>24-10-2018</a:t>
             </a:fld>
             <a:endParaRPr lang="en-IN"/>
           </a:p>
@@ -1830,7 +1830,7 @@
           <a:p>
             <a:fld id="{7A26E73D-0704-41E2-A85C-9874C6C723E6}" type="datetimeFigureOut">
               <a:rPr lang="en-IN" smtClean="0"/>
-              <a:t>16-10-2018</a:t>
+              <a:t>24-10-2018</a:t>
             </a:fld>
             <a:endParaRPr lang="en-IN"/>
           </a:p>
@@ -1972,7 +1972,7 @@
           <a:p>
             <a:fld id="{7A26E73D-0704-41E2-A85C-9874C6C723E6}" type="datetimeFigureOut">
               <a:rPr lang="en-IN" smtClean="0"/>
-              <a:t>16-10-2018</a:t>
+              <a:t>24-10-2018</a:t>
             </a:fld>
             <a:endParaRPr lang="en-IN"/>
           </a:p>
@@ -2085,7 +2085,7 @@
           <a:p>
             <a:fld id="{7A26E73D-0704-41E2-A85C-9874C6C723E6}" type="datetimeFigureOut">
               <a:rPr lang="en-IN" smtClean="0"/>
-              <a:t>16-10-2018</a:t>
+              <a:t>24-10-2018</a:t>
             </a:fld>
             <a:endParaRPr lang="en-IN"/>
           </a:p>
@@ -2398,7 +2398,7 @@
           <a:p>
             <a:fld id="{7A26E73D-0704-41E2-A85C-9874C6C723E6}" type="datetimeFigureOut">
               <a:rPr lang="en-IN" smtClean="0"/>
-              <a:t>16-10-2018</a:t>
+              <a:t>24-10-2018</a:t>
             </a:fld>
             <a:endParaRPr lang="en-IN"/>
           </a:p>
@@ -2687,7 +2687,7 @@
           <a:p>
             <a:fld id="{7A26E73D-0704-41E2-A85C-9874C6C723E6}" type="datetimeFigureOut">
               <a:rPr lang="en-IN" smtClean="0"/>
-              <a:t>16-10-2018</a:t>
+              <a:t>24-10-2018</a:t>
             </a:fld>
             <a:endParaRPr lang="en-IN"/>
           </a:p>
@@ -2930,7 +2930,7 @@
           <a:p>
             <a:fld id="{7A26E73D-0704-41E2-A85C-9874C6C723E6}" type="datetimeFigureOut">
               <a:rPr lang="en-IN" smtClean="0"/>
-              <a:t>16-10-2018</a:t>
+              <a:t>24-10-2018</a:t>
             </a:fld>
             <a:endParaRPr lang="en-IN"/>
           </a:p>
@@ -3680,13 +3680,15 @@
               </a:ext>
             </a:extLst>
           </p:cNvPr>
-          <p:cNvCxnSpPr/>
+          <p:cNvCxnSpPr>
+            <a:cxnSpLocks/>
+          </p:cNvCxnSpPr>
           <p:nvPr/>
         </p:nvCxnSpPr>
         <p:spPr>
           <a:xfrm>
             <a:off x="4824672" y="2271651"/>
-            <a:ext cx="0" cy="1695374"/>
+            <a:ext cx="15455" cy="3090028"/>
           </a:xfrm>
           <a:prstGeom prst="line">
             <a:avLst/>
@@ -3785,7 +3787,7 @@
         </p:nvSpPr>
         <p:spPr>
           <a:xfrm>
-            <a:off x="7689638" y="2844986"/>
+            <a:off x="7688318" y="2982773"/>
             <a:ext cx="1093635" cy="461538"/>
           </a:xfrm>
           <a:prstGeom prst="rect">
@@ -3857,14 +3859,15 @@
             </a:extLst>
           </p:cNvPr>
           <p:cNvCxnSpPr>
+            <a:cxnSpLocks/>
             <a:stCxn id="13" idx="0"/>
           </p:cNvCxnSpPr>
           <p:nvPr/>
         </p:nvCxnSpPr>
         <p:spPr>
           <a:xfrm>
-            <a:off x="8240647" y="3310680"/>
-            <a:ext cx="0" cy="1928177"/>
+            <a:off x="8240647" y="3373216"/>
+            <a:ext cx="0" cy="1865641"/>
           </a:xfrm>
           <a:prstGeom prst="line">
             <a:avLst/>
@@ -3906,8 +3909,8 @@
         </p:nvSpPr>
         <p:spPr>
           <a:xfrm>
-            <a:off x="8164447" y="3310680"/>
-            <a:ext cx="152400" cy="250912"/>
+            <a:off x="8164447" y="3373216"/>
+            <a:ext cx="152400" cy="188376"/>
           </a:xfrm>
           <a:prstGeom prst="rect">
             <a:avLst/>
@@ -4131,7 +4134,7 @@
         </p:nvCxnSpPr>
         <p:spPr>
           <a:xfrm>
-            <a:off x="6725873" y="3532193"/>
+            <a:off x="6725873" y="3556008"/>
             <a:ext cx="1492974" cy="0"/>
           </a:xfrm>
           <a:prstGeom prst="straightConnector1">
@@ -4284,8 +4287,8 @@
         </p:nvSpPr>
         <p:spPr>
           <a:xfrm>
-            <a:off x="8155525" y="3662027"/>
-            <a:ext cx="161322" cy="1492503"/>
+            <a:off x="8155525" y="3662030"/>
+            <a:ext cx="161322" cy="1432116"/>
           </a:xfrm>
           <a:prstGeom prst="rect">
             <a:avLst/>
@@ -4380,8 +4383,8 @@
         </p:nvSpPr>
         <p:spPr>
           <a:xfrm>
-            <a:off x="10173021" y="3485099"/>
-            <a:ext cx="152400" cy="1478588"/>
+            <a:off x="10173021" y="3792820"/>
+            <a:ext cx="152400" cy="157256"/>
           </a:xfrm>
           <a:prstGeom prst="rect">
             <a:avLst/>
@@ -4432,13 +4435,15 @@
               </a:ext>
             </a:extLst>
           </p:cNvPr>
-          <p:cNvCxnSpPr/>
+          <p:cNvCxnSpPr>
+            <a:cxnSpLocks/>
+          </p:cNvCxnSpPr>
           <p:nvPr/>
         </p:nvCxnSpPr>
         <p:spPr>
           <a:xfrm>
-            <a:off x="8318736" y="3797143"/>
-            <a:ext cx="1836137" cy="0"/>
+            <a:off x="8300283" y="3797143"/>
+            <a:ext cx="1873043" cy="0"/>
           </a:xfrm>
           <a:prstGeom prst="straightConnector1">
             <a:avLst/>
@@ -4467,10 +4472,10 @@
       </p:cxnSp>
       <p:cxnSp>
         <p:nvCxnSpPr>
-          <p:cNvPr id="26" name="Straight Arrow Connector 25">
-            <a:extLst>
-              <a:ext uri="{FF2B5EF4-FFF2-40B4-BE49-F238E27FC236}">
-                <a16:creationId xmlns:a16="http://schemas.microsoft.com/office/drawing/2014/main" id="{F7CB88C5-CF86-4730-817B-A673D34BF375}"/>
+          <p:cNvPr id="27" name="Straight Arrow Connector 26">
+            <a:extLst>
+              <a:ext uri="{FF2B5EF4-FFF2-40B4-BE49-F238E27FC236}">
+                <a16:creationId xmlns:a16="http://schemas.microsoft.com/office/drawing/2014/main" id="{EFC1D4A6-9C41-4839-90FF-349E5D47A44B}"/>
               </a:ext>
             </a:extLst>
           </p:cNvPr>
@@ -4478,52 +4483,8 @@
           <p:nvPr/>
         </p:nvCxnSpPr>
         <p:spPr>
-          <a:xfrm flipV="1">
-            <a:off x="8334995" y="4389706"/>
-            <a:ext cx="1838026" cy="9750"/>
-          </a:xfrm>
-          <a:prstGeom prst="straightConnector1">
-            <a:avLst/>
-          </a:prstGeom>
-          <a:ln w="19050">
-            <a:solidFill>
-              <a:srgbClr val="9933FF"/>
-            </a:solidFill>
-            <a:prstDash val="sysDash"/>
-            <a:headEnd type="arrow" w="med" len="med"/>
-            <a:tailEnd type="none" w="med" len="med"/>
-          </a:ln>
-        </p:spPr>
-        <p:style>
-          <a:lnRef idx="1">
-            <a:schemeClr val="accent1"/>
-          </a:lnRef>
-          <a:fillRef idx="0">
-            <a:schemeClr val="accent1"/>
-          </a:fillRef>
-          <a:effectRef idx="0">
-            <a:schemeClr val="accent1"/>
-          </a:effectRef>
-          <a:fontRef idx="minor">
-            <a:schemeClr val="tx1"/>
-          </a:fontRef>
-        </p:style>
-      </p:cxnSp>
-      <p:cxnSp>
-        <p:nvCxnSpPr>
-          <p:cNvPr id="27" name="Straight Arrow Connector 26">
-            <a:extLst>
-              <a:ext uri="{FF2B5EF4-FFF2-40B4-BE49-F238E27FC236}">
-                <a16:creationId xmlns:a16="http://schemas.microsoft.com/office/drawing/2014/main" id="{EFC1D4A6-9C41-4839-90FF-349E5D47A44B}"/>
-              </a:ext>
-            </a:extLst>
-          </p:cNvPr>
-          <p:cNvCxnSpPr/>
-          <p:nvPr/>
-        </p:nvCxnSpPr>
-        <p:spPr>
-          <a:xfrm>
-            <a:off x="3121324" y="5094147"/>
+          <a:xfrm>
+            <a:off x="3121324" y="5087797"/>
             <a:ext cx="5052349" cy="0"/>
           </a:xfrm>
           <a:prstGeom prst="straightConnector1">
@@ -4866,7 +4827,7 @@
         </p:nvSpPr>
         <p:spPr>
           <a:xfrm>
-            <a:off x="8999543" y="4908576"/>
+            <a:off x="8999543" y="4864126"/>
             <a:ext cx="152400" cy="171376"/>
           </a:xfrm>
           <a:prstGeom prst="rect">
@@ -4915,13 +4876,13 @@
             </a:extLst>
           </p:cNvPr>
           <p:cNvCxnSpPr>
-            <a:endCxn id="33" idx="1"/>
+            <a:cxnSpLocks/>
           </p:cNvCxnSpPr>
           <p:nvPr/>
         </p:nvCxnSpPr>
         <p:spPr>
           <a:xfrm>
-            <a:off x="8333120" y="4994264"/>
+            <a:off x="8326770" y="5029189"/>
             <a:ext cx="666423" cy="0"/>
           </a:xfrm>
           <a:prstGeom prst="straightConnector1">
@@ -5289,8 +5250,8 @@
         </p:nvCxnSpPr>
         <p:spPr>
           <a:xfrm>
-            <a:off x="8326073" y="4731837"/>
-            <a:ext cx="162246" cy="0"/>
+            <a:off x="8305261" y="4731837"/>
+            <a:ext cx="178471" cy="0"/>
           </a:xfrm>
           <a:prstGeom prst="straightConnector1">
             <a:avLst/>
@@ -5629,6 +5590,148 @@
           </a:fontRef>
         </p:style>
       </p:cxnSp>
+      <p:pic>
+        <p:nvPicPr>
+          <p:cNvPr id="49" name="Graphic 48" descr="Close">
+            <a:extLst>
+              <a:ext uri="{FF2B5EF4-FFF2-40B4-BE49-F238E27FC236}">
+                <a16:creationId xmlns:a16="http://schemas.microsoft.com/office/drawing/2014/main" id="{8E020FDE-4E4E-426A-8ED5-9C4C9FDA99D7}"/>
+              </a:ext>
+            </a:extLst>
+          </p:cNvPr>
+          <p:cNvPicPr>
+            <a:picLocks noChangeAspect="1"/>
+          </p:cNvPicPr>
+          <p:nvPr/>
+        </p:nvPicPr>
+        <p:blipFill>
+          <a:blip r:embed="rId2">
+            <a:extLst>
+              <a:ext uri="{28A0092B-C50C-407E-A947-70E740481C1C}">
+                <a14:useLocalDpi xmlns:a14="http://schemas.microsoft.com/office/drawing/2010/main" val="0"/>
+              </a:ext>
+              <a:ext uri="{96DAC541-7B7A-43D3-8B79-37D633B846F1}">
+                <asvg:svgBlip xmlns:asvg="http://schemas.microsoft.com/office/drawing/2016/SVG/main" r:embed="rId3"/>
+              </a:ext>
+            </a:extLst>
+          </a:blip>
+          <a:stretch>
+            <a:fillRect/>
+          </a:stretch>
+        </p:blipFill>
+        <p:spPr>
+          <a:xfrm>
+            <a:off x="8111935" y="5273346"/>
+            <a:ext cx="246400" cy="246400"/>
+          </a:xfrm>
+          <a:prstGeom prst="rect">
+            <a:avLst/>
+          </a:prstGeom>
+        </p:spPr>
+      </p:pic>
+      <p:cxnSp>
+        <p:nvCxnSpPr>
+          <p:cNvPr id="50" name="Straight Arrow Connector 49">
+            <a:extLst>
+              <a:ext uri="{FF2B5EF4-FFF2-40B4-BE49-F238E27FC236}">
+                <a16:creationId xmlns:a16="http://schemas.microsoft.com/office/drawing/2014/main" id="{6208284B-61D8-4F37-B6AF-04412667C30C}"/>
+              </a:ext>
+            </a:extLst>
+          </p:cNvPr>
+          <p:cNvCxnSpPr>
+            <a:cxnSpLocks/>
+          </p:cNvCxnSpPr>
+          <p:nvPr/>
+        </p:nvCxnSpPr>
+        <p:spPr>
+          <a:xfrm>
+            <a:off x="1849073" y="5393745"/>
+            <a:ext cx="1225539" cy="0"/>
+          </a:xfrm>
+          <a:prstGeom prst="straightConnector1">
+            <a:avLst/>
+          </a:prstGeom>
+          <a:ln w="19050">
+            <a:solidFill>
+              <a:srgbClr val="0070C0"/>
+            </a:solidFill>
+            <a:prstDash val="sysDash"/>
+            <a:headEnd type="arrow" w="med" len="med"/>
+            <a:tailEnd type="none" w="med" len="med"/>
+          </a:ln>
+        </p:spPr>
+        <p:style>
+          <a:lnRef idx="1">
+            <a:schemeClr val="accent1"/>
+          </a:lnRef>
+          <a:fillRef idx="0">
+            <a:schemeClr val="accent1"/>
+          </a:fillRef>
+          <a:effectRef idx="0">
+            <a:schemeClr val="accent1"/>
+          </a:effectRef>
+          <a:fontRef idx="minor">
+            <a:schemeClr val="tx1"/>
+          </a:fontRef>
+        </p:style>
+      </p:cxnSp>
+      <p:sp>
+        <p:nvSpPr>
+          <p:cNvPr id="51" name="Rectangle 50">
+            <a:extLst>
+              <a:ext uri="{FF2B5EF4-FFF2-40B4-BE49-F238E27FC236}">
+                <a16:creationId xmlns:a16="http://schemas.microsoft.com/office/drawing/2014/main" id="{D8082EAA-D2EC-4782-A330-431733AE35C3}"/>
+              </a:ext>
+            </a:extLst>
+          </p:cNvPr>
+          <p:cNvSpPr/>
+          <p:nvPr/>
+        </p:nvSpPr>
+        <p:spPr>
+          <a:xfrm>
+            <a:off x="10181282" y="4139468"/>
+            <a:ext cx="152400" cy="259988"/>
+          </a:xfrm>
+          <a:prstGeom prst="rect">
+            <a:avLst/>
+          </a:prstGeom>
+          <a:solidFill>
+            <a:srgbClr val="9933FF"/>
+          </a:solidFill>
+          <a:ln>
+            <a:solidFill>
+              <a:srgbClr val="6F75F7"/>
+            </a:solidFill>
+          </a:ln>
+          <a:effectLst/>
+        </p:spPr>
+        <p:style>
+          <a:lnRef idx="1">
+            <a:schemeClr val="accent3"/>
+          </a:lnRef>
+          <a:fillRef idx="2">
+            <a:schemeClr val="accent3"/>
+          </a:fillRef>
+          <a:effectRef idx="1">
+            <a:schemeClr val="accent3"/>
+          </a:effectRef>
+          <a:fontRef idx="minor">
+            <a:schemeClr val="dk1"/>
+          </a:fontRef>
+        </p:style>
+        <p:txBody>
+          <a:bodyPr rtlCol="0" anchor="ctr"/>
+          <a:lstStyle/>
+          <a:p>
+            <a:pPr algn="ctr"/>
+            <a:endParaRPr lang="en-SG" sz="1400">
+              <a:solidFill>
+                <a:schemeClr val="dk1"/>
+              </a:solidFill>
+            </a:endParaRPr>
+          </a:p>
+        </p:txBody>
+      </p:sp>
     </p:spTree>
     <p:extLst>
       <p:ext uri="{BB962C8B-B14F-4D97-AF65-F5344CB8AC3E}">
